--- a/evaluating PM range indexes.pptx
+++ b/evaluating PM range indexes.pptx
@@ -20,6 +20,9 @@
     <p:sldId id="265" r:id="rId17"/>
     <p:sldId id="266" r:id="rId18"/>
     <p:sldId id="267" r:id="rId19"/>
+    <p:sldId id="268" r:id="rId20"/>
+    <p:sldId id="269" r:id="rId21"/>
+    <p:sldId id="270" r:id="rId22"/>
   </p:sldIdLst>
   <p:sldSz cx="24384000" cy="13716000"/>
   <p:notesSz cx="6858000" cy="9144000"/>
@@ -3039,7 +3042,7 @@
       </p:grpSpPr>
       <p:sp>
         <p:nvSpPr>
-          <p:cNvPr id="159" name="Shape 159"/>
+          <p:cNvPr id="160" name="Shape 160"/>
           <p:cNvSpPr/>
           <p:nvPr>
             <p:ph type="title"/>
@@ -3069,7 +3072,7 @@
       </p:sp>
       <p:pic>
         <p:nvPicPr>
-          <p:cNvPr id="160" name="pasted-image.png"/>
+          <p:cNvPr id="161" name="pasted-image.png"/>
           <p:cNvPicPr>
             <a:picLocks noChangeAspect="1"/>
           </p:cNvPicPr>
@@ -3098,7 +3101,7 @@
       </p:pic>
       <p:sp>
         <p:nvSpPr>
-          <p:cNvPr id="161" name="Shape 161"/>
+          <p:cNvPr id="162" name="Shape 162"/>
           <p:cNvSpPr/>
           <p:nvPr>
             <p:ph type="body" sz="half" idx="1"/>
@@ -3164,7 +3167,7 @@
       </p:sp>
       <p:pic>
         <p:nvPicPr>
-          <p:cNvPr id="162" name="pasted-image.png"/>
+          <p:cNvPr id="163" name="pasted-image.png"/>
           <p:cNvPicPr>
             <a:picLocks noChangeAspect="1"/>
           </p:cNvPicPr>
@@ -3219,7 +3222,7 @@
       </p:grpSpPr>
       <p:sp>
         <p:nvSpPr>
-          <p:cNvPr id="164" name="Shape 164"/>
+          <p:cNvPr id="165" name="Shape 165"/>
           <p:cNvSpPr/>
           <p:nvPr>
             <p:ph type="title"/>
@@ -3249,7 +3252,7 @@
       </p:sp>
       <p:pic>
         <p:nvPicPr>
-          <p:cNvPr id="165" name="pasted-image.png"/>
+          <p:cNvPr id="166" name="pasted-image.png"/>
           <p:cNvPicPr>
             <a:picLocks noChangeAspect="1"/>
           </p:cNvPicPr>
@@ -3278,7 +3281,7 @@
       </p:pic>
       <p:sp>
         <p:nvSpPr>
-          <p:cNvPr id="166" name="Shape 166"/>
+          <p:cNvPr id="167" name="Shape 167"/>
           <p:cNvSpPr/>
           <p:nvPr>
             <p:ph type="body" sz="half" idx="1"/>
@@ -3344,7 +3347,7 @@
       </p:sp>
       <p:pic>
         <p:nvPicPr>
-          <p:cNvPr id="167" name="pasted-image.png"/>
+          <p:cNvPr id="168" name="pasted-image.png"/>
           <p:cNvPicPr>
             <a:picLocks noChangeAspect="1"/>
           </p:cNvPicPr>
@@ -3399,7 +3402,7 @@
       </p:grpSpPr>
       <p:sp>
         <p:nvSpPr>
-          <p:cNvPr id="169" name="Shape 169"/>
+          <p:cNvPr id="170" name="Shape 170"/>
           <p:cNvSpPr/>
           <p:nvPr>
             <p:ph type="title"/>
@@ -3429,7 +3432,7 @@
       </p:sp>
       <p:pic>
         <p:nvPicPr>
-          <p:cNvPr id="170" name="pasted-image.png"/>
+          <p:cNvPr id="171" name="pasted-image.png"/>
           <p:cNvPicPr>
             <a:picLocks noChangeAspect="1"/>
           </p:cNvPicPr>
@@ -3458,7 +3461,7 @@
       </p:pic>
       <p:sp>
         <p:nvSpPr>
-          <p:cNvPr id="171" name="Shape 171"/>
+          <p:cNvPr id="172" name="Shape 172"/>
           <p:cNvSpPr/>
           <p:nvPr>
             <p:ph type="body" sz="half" idx="1"/>
@@ -3524,7 +3527,7 @@
       </p:sp>
       <p:pic>
         <p:nvPicPr>
-          <p:cNvPr id="172" name="pasted-image.png"/>
+          <p:cNvPr id="173" name="pasted-image.png"/>
           <p:cNvPicPr>
             <a:picLocks noChangeAspect="1"/>
           </p:cNvPicPr>
@@ -3542,6 +3545,348 @@
           <a:xfrm>
             <a:off x="158903" y="9276910"/>
             <a:ext cx="13278916" cy="4452907"/>
+          </a:xfrm>
+          <a:prstGeom prst="rect">
+            <a:avLst/>
+          </a:prstGeom>
+          <a:ln w="12700">
+            <a:miter lim="400000"/>
+          </a:ln>
+        </p:spPr>
+      </p:pic>
+    </p:spTree>
+  </p:cSld>
+  <p:clrMapOvr>
+    <a:masterClrMapping/>
+  </p:clrMapOvr>
+  <p:transition xmlns:p14="http://schemas.microsoft.com/office/powerpoint/2010/main" spd="med" advClick="1" p14:dur="1000"/>
+</p:sld>
+</file>
+
+<file path=ppt/slides/slide13.xml><?xml version="1.0" encoding="utf-8"?>
+<p:sld xmlns:a="http://schemas.openxmlformats.org/drawingml/2006/main" xmlns:r="http://schemas.openxmlformats.org/officeDocument/2006/relationships" xmlns:p="http://schemas.openxmlformats.org/presentationml/2006/main" showMasterSp="1" showMasterPhAnim="1">
+  <p:cSld>
+    <p:spTree>
+      <p:nvGrpSpPr>
+        <p:cNvPr id="1" name=""/>
+        <p:cNvGrpSpPr/>
+        <p:nvPr/>
+      </p:nvGrpSpPr>
+      <p:grpSpPr>
+        <a:xfrm>
+          <a:off x="0" y="0"/>
+          <a:ext cx="0" cy="0"/>
+          <a:chOff x="0" y="0"/>
+          <a:chExt cx="0" cy="0"/>
+        </a:xfrm>
+      </p:grpSpPr>
+      <p:sp>
+        <p:nvSpPr>
+          <p:cNvPr id="175" name="Shape 175"/>
+          <p:cNvSpPr/>
+          <p:nvPr>
+            <p:ph type="title"/>
+          </p:nvPr>
+        </p:nvSpPr>
+        <p:spPr>
+          <a:xfrm>
+            <a:off x="929736" y="434440"/>
+            <a:ext cx="21005801" cy="2286001"/>
+          </a:xfrm>
+          <a:prstGeom prst="rect">
+            <a:avLst/>
+          </a:prstGeom>
+        </p:spPr>
+        <p:txBody>
+          <a:bodyPr/>
+          <a:lstStyle>
+            <a:lvl1pPr algn="l"/>
+          </a:lstStyle>
+          <a:p>
+            <a:pPr/>
+            <a:r>
+              <a:t>Multi-thread</a:t>
+            </a:r>
+          </a:p>
+        </p:txBody>
+      </p:sp>
+      <p:pic>
+        <p:nvPicPr>
+          <p:cNvPr id="176" name="pasted-image.png"/>
+          <p:cNvPicPr>
+            <a:picLocks noChangeAspect="1"/>
+          </p:cNvPicPr>
+          <p:nvPr/>
+        </p:nvPicPr>
+        <p:blipFill>
+          <a:blip r:embed="rId2">
+            <a:extLst/>
+          </a:blip>
+          <a:stretch>
+            <a:fillRect/>
+          </a:stretch>
+        </p:blipFill>
+        <p:spPr>
+          <a:xfrm>
+            <a:off x="2304489" y="2510732"/>
+            <a:ext cx="17983201" cy="4419601"/>
+          </a:xfrm>
+          <a:prstGeom prst="rect">
+            <a:avLst/>
+          </a:prstGeom>
+          <a:ln w="12700">
+            <a:miter lim="400000"/>
+          </a:ln>
+        </p:spPr>
+      </p:pic>
+      <p:pic>
+        <p:nvPicPr>
+          <p:cNvPr id="177" name="pasted-image.png"/>
+          <p:cNvPicPr>
+            <a:picLocks noChangeAspect="1"/>
+          </p:cNvPicPr>
+          <p:nvPr/>
+        </p:nvPicPr>
+        <p:blipFill>
+          <a:blip r:embed="rId3">
+            <a:extLst/>
+          </a:blip>
+          <a:stretch>
+            <a:fillRect/>
+          </a:stretch>
+        </p:blipFill>
+        <p:spPr>
+          <a:xfrm>
+            <a:off x="1975586" y="8060347"/>
+            <a:ext cx="9359901" cy="4457701"/>
+          </a:xfrm>
+          <a:prstGeom prst="rect">
+            <a:avLst/>
+          </a:prstGeom>
+          <a:ln w="12700">
+            <a:miter lim="400000"/>
+          </a:ln>
+        </p:spPr>
+      </p:pic>
+      <p:pic>
+        <p:nvPicPr>
+          <p:cNvPr id="178" name="pasted-image.png"/>
+          <p:cNvPicPr>
+            <a:picLocks noChangeAspect="1"/>
+          </p:cNvPicPr>
+          <p:nvPr/>
+        </p:nvPicPr>
+        <p:blipFill>
+          <a:blip r:embed="rId4">
+            <a:extLst/>
+          </a:blip>
+          <a:stretch>
+            <a:fillRect/>
+          </a:stretch>
+        </p:blipFill>
+        <p:spPr>
+          <a:xfrm>
+            <a:off x="11771087" y="7375404"/>
+            <a:ext cx="9118601" cy="4927601"/>
+          </a:xfrm>
+          <a:prstGeom prst="rect">
+            <a:avLst/>
+          </a:prstGeom>
+          <a:ln w="12700">
+            <a:miter lim="400000"/>
+          </a:ln>
+        </p:spPr>
+      </p:pic>
+    </p:spTree>
+  </p:cSld>
+  <p:clrMapOvr>
+    <a:masterClrMapping/>
+  </p:clrMapOvr>
+  <p:transition xmlns:p14="http://schemas.microsoft.com/office/powerpoint/2010/main" spd="med" advClick="1" p14:dur="1000"/>
+</p:sld>
+</file>
+
+<file path=ppt/slides/slide14.xml><?xml version="1.0" encoding="utf-8"?>
+<p:sld xmlns:a="http://schemas.openxmlformats.org/drawingml/2006/main" xmlns:r="http://schemas.openxmlformats.org/officeDocument/2006/relationships" xmlns:p="http://schemas.openxmlformats.org/presentationml/2006/main" showMasterSp="1" showMasterPhAnim="1">
+  <p:cSld>
+    <p:spTree>
+      <p:nvGrpSpPr>
+        <p:cNvPr id="1" name=""/>
+        <p:cNvGrpSpPr/>
+        <p:nvPr/>
+      </p:nvGrpSpPr>
+      <p:grpSpPr>
+        <a:xfrm>
+          <a:off x="0" y="0"/>
+          <a:ext cx="0" cy="0"/>
+          <a:chOff x="0" y="0"/>
+          <a:chExt cx="0" cy="0"/>
+        </a:xfrm>
+      </p:grpSpPr>
+      <p:sp>
+        <p:nvSpPr>
+          <p:cNvPr id="180" name="Shape 180"/>
+          <p:cNvSpPr/>
+          <p:nvPr>
+            <p:ph type="title"/>
+          </p:nvPr>
+        </p:nvSpPr>
+        <p:spPr>
+          <a:xfrm>
+            <a:off x="929736" y="434440"/>
+            <a:ext cx="21005801" cy="2286001"/>
+          </a:xfrm>
+          <a:prstGeom prst="rect">
+            <a:avLst/>
+          </a:prstGeom>
+        </p:spPr>
+        <p:txBody>
+          <a:bodyPr/>
+          <a:lstStyle>
+            <a:lvl1pPr algn="l"/>
+          </a:lstStyle>
+          <a:p>
+            <a:pPr/>
+            <a:r>
+              <a:t>Mixed-Workload &amp; Tail latency</a:t>
+            </a:r>
+          </a:p>
+        </p:txBody>
+      </p:sp>
+      <p:pic>
+        <p:nvPicPr>
+          <p:cNvPr id="181" name="pasted-image.png"/>
+          <p:cNvPicPr>
+            <a:picLocks noChangeAspect="1"/>
+          </p:cNvPicPr>
+          <p:nvPr/>
+        </p:nvPicPr>
+        <p:blipFill>
+          <a:blip r:embed="rId2">
+            <a:extLst/>
+          </a:blip>
+          <a:stretch>
+            <a:fillRect/>
+          </a:stretch>
+        </p:blipFill>
+        <p:spPr>
+          <a:xfrm>
+            <a:off x="1660441" y="6428515"/>
+            <a:ext cx="18529655" cy="7015611"/>
+          </a:xfrm>
+          <a:prstGeom prst="rect">
+            <a:avLst/>
+          </a:prstGeom>
+          <a:ln w="12700">
+            <a:miter lim="400000"/>
+          </a:ln>
+        </p:spPr>
+      </p:pic>
+      <p:pic>
+        <p:nvPicPr>
+          <p:cNvPr id="182" name="pasted-image.png"/>
+          <p:cNvPicPr>
+            <a:picLocks noChangeAspect="1"/>
+          </p:cNvPicPr>
+          <p:nvPr/>
+        </p:nvPicPr>
+        <p:blipFill>
+          <a:blip r:embed="rId3">
+            <a:extLst/>
+          </a:blip>
+          <a:stretch>
+            <a:fillRect/>
+          </a:stretch>
+        </p:blipFill>
+        <p:spPr>
+          <a:xfrm>
+            <a:off x="1926423" y="2782708"/>
+            <a:ext cx="17997691" cy="3583541"/>
+          </a:xfrm>
+          <a:prstGeom prst="rect">
+            <a:avLst/>
+          </a:prstGeom>
+          <a:ln w="12700">
+            <a:miter lim="400000"/>
+          </a:ln>
+        </p:spPr>
+      </p:pic>
+    </p:spTree>
+  </p:cSld>
+  <p:clrMapOvr>
+    <a:masterClrMapping/>
+  </p:clrMapOvr>
+  <p:transition xmlns:p14="http://schemas.microsoft.com/office/powerpoint/2010/main" spd="med" advClick="1" p14:dur="1000"/>
+</p:sld>
+</file>
+
+<file path=ppt/slides/slide15.xml><?xml version="1.0" encoding="utf-8"?>
+<p:sld xmlns:a="http://schemas.openxmlformats.org/drawingml/2006/main" xmlns:r="http://schemas.openxmlformats.org/officeDocument/2006/relationships" xmlns:p="http://schemas.openxmlformats.org/presentationml/2006/main" showMasterSp="1" showMasterPhAnim="1">
+  <p:cSld>
+    <p:spTree>
+      <p:nvGrpSpPr>
+        <p:cNvPr id="1" name=""/>
+        <p:cNvGrpSpPr/>
+        <p:nvPr/>
+      </p:nvGrpSpPr>
+      <p:grpSpPr>
+        <a:xfrm>
+          <a:off x="0" y="0"/>
+          <a:ext cx="0" cy="0"/>
+          <a:chOff x="0" y="0"/>
+          <a:chExt cx="0" cy="0"/>
+        </a:xfrm>
+      </p:grpSpPr>
+      <p:sp>
+        <p:nvSpPr>
+          <p:cNvPr id="184" name="Shape 184"/>
+          <p:cNvSpPr/>
+          <p:nvPr>
+            <p:ph type="title"/>
+          </p:nvPr>
+        </p:nvSpPr>
+        <p:spPr>
+          <a:xfrm>
+            <a:off x="929736" y="434440"/>
+            <a:ext cx="21005801" cy="2286001"/>
+          </a:xfrm>
+          <a:prstGeom prst="rect">
+            <a:avLst/>
+          </a:prstGeom>
+        </p:spPr>
+        <p:txBody>
+          <a:bodyPr/>
+          <a:lstStyle>
+            <a:lvl1pPr algn="l"/>
+          </a:lstStyle>
+          <a:p>
+            <a:pPr/>
+            <a:r>
+              <a:t>Long Key and Values</a:t>
+            </a:r>
+          </a:p>
+        </p:txBody>
+      </p:sp>
+      <p:pic>
+        <p:nvPicPr>
+          <p:cNvPr id="185" name="pasted-image.png"/>
+          <p:cNvPicPr>
+            <a:picLocks noChangeAspect="1"/>
+          </p:cNvPicPr>
+          <p:nvPr/>
+        </p:nvPicPr>
+        <p:blipFill>
+          <a:blip r:embed="rId2">
+            <a:extLst/>
+          </a:blip>
+          <a:stretch>
+            <a:fillRect/>
+          </a:stretch>
+        </p:blipFill>
+        <p:spPr>
+          <a:xfrm>
+            <a:off x="1927323" y="3743288"/>
+            <a:ext cx="18199050" cy="6229424"/>
           </a:xfrm>
           <a:prstGeom prst="rect">
             <a:avLst/>
@@ -3613,8 +3958,8 @@
         </p:nvSpPr>
         <p:spPr>
           <a:xfrm>
-            <a:off x="14213211" y="3238500"/>
-            <a:ext cx="8481689" cy="9207500"/>
+            <a:off x="14213211" y="3238499"/>
+            <a:ext cx="8481689" cy="9994550"/>
           </a:xfrm>
           <a:prstGeom prst="rect">
             <a:avLst/>
@@ -3624,7 +3969,10 @@
           <a:bodyPr/>
           <a:lstStyle/>
           <a:p>
-            <a:pPr/>
+            <a:pPr marL="0" indent="0">
+              <a:buSzTx/>
+              <a:buNone/>
+            </a:pPr>
           </a:p>
         </p:txBody>
       </p:sp>
@@ -5249,8 +5597,8 @@
         </p:blipFill>
         <p:spPr>
           <a:xfrm>
-            <a:off x="-12019" y="2956734"/>
-            <a:ext cx="13620761" cy="6083883"/>
+            <a:off x="-12020" y="2422367"/>
+            <a:ext cx="13620762" cy="6083884"/>
           </a:xfrm>
           <a:prstGeom prst="rect">
             <a:avLst/>
@@ -5270,8 +5618,8 @@
         </p:nvSpPr>
         <p:spPr>
           <a:xfrm>
-            <a:off x="14029681" y="3676715"/>
-            <a:ext cx="9979053" cy="9707482"/>
+            <a:off x="14029681" y="6240885"/>
+            <a:ext cx="9979053" cy="7143312"/>
           </a:xfrm>
           <a:prstGeom prst="rect">
             <a:avLst/>
@@ -5297,6 +5645,21 @@
             <a:r>
               <a:t>Insert</a:t>
             </a:r>
+          </a:p>
+          <a:p>
+            <a:pPr marL="0" indent="0">
+              <a:lnSpc>
+                <a:spcPct val="90000"/>
+              </a:lnSpc>
+              <a:buSzTx/>
+              <a:buNone/>
+              <a:defRPr b="1" sz="3200">
+                <a:latin typeface="Helvetica"/>
+                <a:ea typeface="Helvetica"/>
+                <a:cs typeface="Helvetica"/>
+                <a:sym typeface="Helvetica"/>
+              </a:defRPr>
+            </a:pPr>
           </a:p>
           <a:p>
             <a:pPr marL="547076" indent="-547076">
@@ -5346,6 +5709,35 @@
           <a:xfrm>
             <a:off x="158903" y="9276910"/>
             <a:ext cx="13278916" cy="4452907"/>
+          </a:xfrm>
+          <a:prstGeom prst="rect">
+            <a:avLst/>
+          </a:prstGeom>
+          <a:ln w="12700">
+            <a:miter lim="400000"/>
+          </a:ln>
+        </p:spPr>
+      </p:pic>
+      <p:pic>
+        <p:nvPicPr>
+          <p:cNvPr id="158" name="pasted-image.png"/>
+          <p:cNvPicPr>
+            <a:picLocks noChangeAspect="1"/>
+          </p:cNvPicPr>
+          <p:nvPr/>
+        </p:nvPicPr>
+        <p:blipFill>
+          <a:blip r:embed="rId4">
+            <a:extLst/>
+          </a:blip>
+          <a:stretch>
+            <a:fillRect/>
+          </a:stretch>
+        </p:blipFill>
+        <p:spPr>
+          <a:xfrm>
+            <a:off x="14504872" y="2366118"/>
+            <a:ext cx="7398620" cy="3673680"/>
           </a:xfrm>
           <a:prstGeom prst="rect">
             <a:avLst/>
